--- a/OtherStuff/Code Inspection Presentation.pptx
+++ b/OtherStuff/Code Inspection Presentation.pptx
@@ -3046,15 +3046,7 @@
             </a:br>
             <a:r>
               <a:rPr lang="en-US" sz="2133" dirty="0"/>
-              <a:t>Software Engineering 2 </a:t>
-            </a:r>
-            <a:r>
-              <a:rPr lang="en-US" sz="2133" dirty="0"/>
-              <a:t>project:</a:t>
-            </a:r>
-            <a:r>
-              <a:rPr lang="en-US" sz="2133" dirty="0"/>
-              <a:t/>
+              <a:t>Software Engineering 2 project:</a:t>
             </a:r>
             <a:br>
               <a:rPr lang="en-US" sz="2133" dirty="0"/>
@@ -3062,10 +3054,6 @@
             <a:r>
               <a:rPr lang="en-US" sz="2133" dirty="0"/>
               <a:t>Code Inspection</a:t>
-            </a:r>
-            <a:r>
-              <a:rPr lang="en-US" sz="2133" dirty="0"/>
-              <a:t/>
             </a:r>
             <a:br>
               <a:rPr lang="en-US" sz="2133" dirty="0"/>
@@ -3380,16 +3368,7 @@
                 </a:solidFill>
                 <a:latin typeface="Cambria" panose="02040503050406030204" pitchFamily="18" charset="0"/>
               </a:rPr>
-              <a:t>i</a:t>
-            </a:r>
-            <a:r>
-              <a:rPr lang="it-IT" sz="2400" i="1" dirty="0" err="1">
-                <a:solidFill>
-                  <a:srgbClr val="FF0000"/>
-                </a:solidFill>
-                <a:latin typeface="Cambria" panose="02040503050406030204" pitchFamily="18" charset="0"/>
-              </a:rPr>
-              <a:t>ntercept</a:t>
+              <a:t>intercept</a:t>
             </a:r>
             <a:r>
               <a:rPr lang="it-IT" sz="2400" i="1" dirty="0">
@@ -4413,16 +4392,7 @@
                 </a:solidFill>
                 <a:latin typeface="Cambria" panose="02040503050406030204" pitchFamily="18" charset="0"/>
               </a:rPr>
-              <a:t>s</a:t>
-            </a:r>
-            <a:r>
-              <a:rPr lang="it-IT" sz="2400" i="1" dirty="0">
-                <a:solidFill>
-                  <a:srgbClr val="FF0000"/>
-                </a:solidFill>
-                <a:latin typeface="Cambria" panose="02040503050406030204" pitchFamily="18" charset="0"/>
-              </a:rPr>
-              <a:t>eparator </a:t>
+              <a:t>separator </a:t>
             </a:r>
             <a:r>
               <a:rPr lang="it-IT" sz="2400" i="1" dirty="0" err="1">
@@ -4489,16 +4459,7 @@
                 </a:solidFill>
                 <a:latin typeface="Cambria" panose="02040503050406030204" pitchFamily="18" charset="0"/>
               </a:rPr>
-              <a:t>u</a:t>
-            </a:r>
-            <a:r>
-              <a:rPr lang="it-IT" sz="2400" i="1" dirty="0" err="1">
-                <a:solidFill>
-                  <a:srgbClr val="FF0000"/>
-                </a:solidFill>
-                <a:latin typeface="Cambria" panose="02040503050406030204" pitchFamily="18" charset="0"/>
-              </a:rPr>
-              <a:t>nnecessary</a:t>
+              <a:t>unnecessary</a:t>
             </a:r>
             <a:endParaRPr lang="it-IT" sz="2400" i="1" dirty="0">
               <a:solidFill>
@@ -4515,16 +4476,7 @@
                 </a:solidFill>
                 <a:latin typeface="Cambria" panose="02040503050406030204" pitchFamily="18" charset="0"/>
               </a:rPr>
-              <a:t>b</a:t>
-            </a:r>
-            <a:r>
-              <a:rPr lang="it-IT" sz="2400" i="1" dirty="0" err="1">
-                <a:solidFill>
-                  <a:srgbClr val="FF0000"/>
-                </a:solidFill>
-                <a:latin typeface="Cambria" panose="02040503050406030204" pitchFamily="18" charset="0"/>
-              </a:rPr>
-              <a:t>lank</a:t>
+              <a:t>blank</a:t>
             </a:r>
             <a:r>
               <a:rPr lang="it-IT" sz="2400" i="1" dirty="0">
@@ -5635,16 +5587,7 @@
                 </a:solidFill>
                 <a:latin typeface="Cambria" panose="02040503050406030204" pitchFamily="18" charset="0"/>
               </a:rPr>
-              <a:t>b</a:t>
-            </a:r>
-            <a:r>
-              <a:rPr lang="it-IT" sz="2400" i="1" dirty="0" err="1">
-                <a:solidFill>
-                  <a:srgbClr val="FF0000"/>
-                </a:solidFill>
-                <a:latin typeface="Cambria" panose="02040503050406030204" pitchFamily="18" charset="0"/>
-              </a:rPr>
-              <a:t>ad</a:t>
+              <a:t>bad</a:t>
             </a:r>
             <a:r>
               <a:rPr lang="it-IT" sz="2400" i="1" dirty="0">
@@ -5655,12 +5598,6 @@
               </a:rPr>
               <a:t> line breaks</a:t>
             </a:r>
-            <a:endParaRPr lang="it-IT" sz="2400" i="1" dirty="0">
-              <a:solidFill>
-                <a:srgbClr val="FF0000"/>
-              </a:solidFill>
-              <a:latin typeface="Cambria" panose="02040503050406030204" pitchFamily="18" charset="0"/>
-            </a:endParaRPr>
           </a:p>
         </p:txBody>
       </p:sp>
@@ -6484,7 +6421,16 @@
                 </a:solidFill>
                 <a:latin typeface="Cambria" panose="02040503050406030204" pitchFamily="18" charset="0"/>
               </a:rPr>
-              <a:t>d</a:t>
+              <a:t>declaration</a:t>
+            </a:r>
+            <a:r>
+              <a:rPr lang="it-IT" sz="2400" i="1" dirty="0">
+                <a:solidFill>
+                  <a:srgbClr val="FF0000"/>
+                </a:solidFill>
+                <a:latin typeface="Cambria" panose="02040503050406030204" pitchFamily="18" charset="0"/>
+              </a:rPr>
+              <a:t> </a:t>
             </a:r>
             <a:r>
               <a:rPr lang="it-IT" sz="2400" i="1" dirty="0" err="1">
@@ -6493,7 +6439,7 @@
                 </a:solidFill>
                 <a:latin typeface="Cambria" panose="02040503050406030204" pitchFamily="18" charset="0"/>
               </a:rPr>
-              <a:t>eclaration</a:t>
+              <a:t>not</a:t>
             </a:r>
             <a:r>
               <a:rPr lang="it-IT" sz="2400" i="1" dirty="0">
@@ -6511,7 +6457,7 @@
                 </a:solidFill>
                 <a:latin typeface="Cambria" panose="02040503050406030204" pitchFamily="18" charset="0"/>
               </a:rPr>
-              <a:t>not</a:t>
+              <a:t>at</a:t>
             </a:r>
             <a:r>
               <a:rPr lang="it-IT" sz="2400" i="1" dirty="0">
@@ -6520,8 +6466,10 @@
                 </a:solidFill>
                 <a:latin typeface="Cambria" panose="02040503050406030204" pitchFamily="18" charset="0"/>
               </a:rPr>
-              <a:t> </a:t>
-            </a:r>
+              <a:t> the</a:t>
+            </a:r>
+          </a:p>
+          <a:p>
             <a:r>
               <a:rPr lang="it-IT" sz="2400" i="1" dirty="0" err="1">
                 <a:solidFill>
@@ -6529,36 +6477,7 @@
                 </a:solidFill>
                 <a:latin typeface="Cambria" panose="02040503050406030204" pitchFamily="18" charset="0"/>
               </a:rPr>
-              <a:t>at</a:t>
-            </a:r>
-            <a:r>
-              <a:rPr lang="it-IT" sz="2400" i="1" dirty="0">
-                <a:solidFill>
-                  <a:srgbClr val="FF0000"/>
-                </a:solidFill>
-                <a:latin typeface="Cambria" panose="02040503050406030204" pitchFamily="18" charset="0"/>
-              </a:rPr>
-              <a:t> the</a:t>
-            </a:r>
-          </a:p>
-          <a:p>
-            <a:r>
-              <a:rPr lang="it-IT" sz="2400" i="1" dirty="0" err="1">
-                <a:solidFill>
-                  <a:srgbClr val="FF0000"/>
-                </a:solidFill>
-                <a:latin typeface="Cambria" panose="02040503050406030204" pitchFamily="18" charset="0"/>
-              </a:rPr>
-              <a:t>b</a:t>
-            </a:r>
-            <a:r>
-              <a:rPr lang="it-IT" sz="2400" i="1" dirty="0" err="1">
-                <a:solidFill>
-                  <a:srgbClr val="FF0000"/>
-                </a:solidFill>
-                <a:latin typeface="Cambria" panose="02040503050406030204" pitchFamily="18" charset="0"/>
-              </a:rPr>
-              <a:t>eginning</a:t>
+              <a:t>beginning</a:t>
             </a:r>
             <a:r>
               <a:rPr lang="it-IT" sz="2400" i="1" dirty="0">
@@ -7054,9 +6973,6 @@
               </a:rPr>
               <a:t>!</a:t>
             </a:r>
-            <a:endParaRPr lang="it-IT" sz="3733" dirty="0">
-              <a:latin typeface="Cambria" panose="02040503050406030204" pitchFamily="18" charset="0"/>
-            </a:endParaRPr>
           </a:p>
           <a:p>
             <a:endParaRPr lang="it-IT" sz="3733" dirty="0">
@@ -7497,61 +7413,43 @@
               <a:rPr lang="it-IT" sz="3200" dirty="0">
                 <a:latin typeface="Cambria" panose="02040503050406030204" pitchFamily="18" charset="0"/>
               </a:rPr>
-              <a:t> </a:t>
+              <a:t> (</a:t>
+            </a:r>
+            <a:r>
+              <a:rPr lang="it-IT" sz="3200" i="1" dirty="0" err="1">
+                <a:latin typeface="Cambria" panose="02040503050406030204" pitchFamily="18" charset="0"/>
+              </a:rPr>
+              <a:t>InterceptorManager</a:t>
             </a:r>
             <a:r>
               <a:rPr lang="it-IT" sz="3200" dirty="0">
                 <a:latin typeface="Cambria" panose="02040503050406030204" pitchFamily="18" charset="0"/>
               </a:rPr>
-              <a:t>(</a:t>
-            </a:r>
-            <a:r>
-              <a:rPr lang="it-IT" sz="3200" i="1" dirty="0" err="1">
-                <a:latin typeface="Cambria" panose="02040503050406030204" pitchFamily="18" charset="0"/>
-              </a:rPr>
-              <a:t>InterceptorManager</a:t>
+              <a:t>) and </a:t>
+            </a:r>
+            <a:r>
+              <a:rPr lang="it-IT" sz="3200" dirty="0" err="1">
+                <a:latin typeface="Cambria" panose="02040503050406030204" pitchFamily="18" charset="0"/>
+              </a:rPr>
+              <a:t>two</a:t>
             </a:r>
             <a:r>
               <a:rPr lang="it-IT" sz="3200" dirty="0">
                 <a:latin typeface="Cambria" panose="02040503050406030204" pitchFamily="18" charset="0"/>
               </a:rPr>
-              <a:t>) </a:t>
+              <a:t> public </a:t>
+            </a:r>
+            <a:r>
+              <a:rPr lang="it-IT" sz="3200" dirty="0" err="1">
+                <a:latin typeface="Cambria" panose="02040503050406030204" pitchFamily="18" charset="0"/>
+              </a:rPr>
+              <a:t>interfaces</a:t>
             </a:r>
             <a:r>
               <a:rPr lang="it-IT" sz="3200" dirty="0">
                 <a:latin typeface="Cambria" panose="02040503050406030204" pitchFamily="18" charset="0"/>
               </a:rPr>
-              <a:t>and </a:t>
-            </a:r>
-            <a:r>
-              <a:rPr lang="it-IT" sz="3200" dirty="0" err="1">
-                <a:latin typeface="Cambria" panose="02040503050406030204" pitchFamily="18" charset="0"/>
-              </a:rPr>
-              <a:t>two</a:t>
-            </a:r>
-            <a:r>
-              <a:rPr lang="it-IT" sz="3200" dirty="0">
-                <a:latin typeface="Cambria" panose="02040503050406030204" pitchFamily="18" charset="0"/>
-              </a:rPr>
-              <a:t> public </a:t>
-            </a:r>
-            <a:r>
-              <a:rPr lang="it-IT" sz="3200" dirty="0" err="1">
-                <a:latin typeface="Cambria" panose="02040503050406030204" pitchFamily="18" charset="0"/>
-              </a:rPr>
-              <a:t>interfaces</a:t>
-            </a:r>
-            <a:r>
-              <a:rPr lang="it-IT" sz="3200" dirty="0">
-                <a:latin typeface="Cambria" panose="02040503050406030204" pitchFamily="18" charset="0"/>
-              </a:rPr>
-              <a:t> </a:t>
-            </a:r>
-            <a:r>
-              <a:rPr lang="it-IT" sz="3200" dirty="0">
-                <a:latin typeface="Cambria" panose="02040503050406030204" pitchFamily="18" charset="0"/>
-              </a:rPr>
-              <a:t>(</a:t>
+              <a:t> (</a:t>
             </a:r>
             <a:r>
               <a:rPr lang="it-IT" sz="3200" i="1" dirty="0" err="1">
@@ -7795,9 +7693,6 @@
               </a:rPr>
               <a:t>.</a:t>
             </a:r>
-            <a:endParaRPr lang="it-IT" sz="3200" dirty="0">
-              <a:latin typeface="Cambria" panose="02040503050406030204" pitchFamily="18" charset="0"/>
-            </a:endParaRPr>
           </a:p>
         </p:txBody>
       </p:sp>
@@ -8201,11 +8096,6 @@
               </a:rPr>
               <a:t>!</a:t>
             </a:r>
-            <a:endParaRPr lang="it-IT" sz="4267" i="1" dirty="0">
-              <a:solidFill>
-                <a:srgbClr val="FF0000"/>
-              </a:solidFill>
-            </a:endParaRPr>
           </a:p>
         </p:txBody>
       </p:sp>
@@ -14764,7 +14654,7 @@
                             </p:stCondLst>
                             <p:childTnLst>
                               <p:par>
-                                <p:cTn id="5" presetID="42" presetClass="entr" presetSubtype="0" fill="hold" nodeType="clickEffect">
+                                <p:cTn id="5" presetID="10" presetClass="entr" presetSubtype="0" fill="hold" grpId="0" nodeType="clickEffect">
                                   <p:stCondLst>
                                     <p:cond delay="0"/>
                                   </p:stCondLst>
@@ -14777,7 +14667,7 @@
                                           </p:stCondLst>
                                         </p:cTn>
                                         <p:tgtEl>
-                                          <p:spTgt spid="4"/>
+                                          <p:spTgt spid="15"/>
                                         </p:tgtEl>
                                         <p:attrNameLst>
                                           <p:attrName>style.visibility</p:attrName>
@@ -14789,187 +14679,7 @@
                                     </p:set>
                                     <p:animEffect transition="in" filter="fade">
                                       <p:cBhvr>
-                                        <p:cTn id="7" dur="1000"/>
-                                        <p:tgtEl>
-                                          <p:spTgt spid="4"/>
-                                        </p:tgtEl>
-                                      </p:cBhvr>
-                                    </p:animEffect>
-                                    <p:anim calcmode="lin" valueType="num">
-                                      <p:cBhvr>
-                                        <p:cTn id="8" dur="1000" fill="hold"/>
-                                        <p:tgtEl>
-                                          <p:spTgt spid="4"/>
-                                        </p:tgtEl>
-                                        <p:attrNameLst>
-                                          <p:attrName>ppt_x</p:attrName>
-                                        </p:attrNameLst>
-                                      </p:cBhvr>
-                                      <p:tavLst>
-                                        <p:tav tm="0">
-                                          <p:val>
-                                            <p:strVal val="#ppt_x"/>
-                                          </p:val>
-                                        </p:tav>
-                                        <p:tav tm="100000">
-                                          <p:val>
-                                            <p:strVal val="#ppt_x"/>
-                                          </p:val>
-                                        </p:tav>
-                                      </p:tavLst>
-                                    </p:anim>
-                                    <p:anim calcmode="lin" valueType="num">
-                                      <p:cBhvr>
-                                        <p:cTn id="9" dur="1000" fill="hold"/>
-                                        <p:tgtEl>
-                                          <p:spTgt spid="4"/>
-                                        </p:tgtEl>
-                                        <p:attrNameLst>
-                                          <p:attrName>ppt_y</p:attrName>
-                                        </p:attrNameLst>
-                                      </p:cBhvr>
-                                      <p:tavLst>
-                                        <p:tav tm="0">
-                                          <p:val>
-                                            <p:strVal val="#ppt_y+.1"/>
-                                          </p:val>
-                                        </p:tav>
-                                        <p:tav tm="100000">
-                                          <p:val>
-                                            <p:strVal val="#ppt_y"/>
-                                          </p:val>
-                                        </p:tav>
-                                      </p:tavLst>
-                                    </p:anim>
-                                  </p:childTnLst>
-                                </p:cTn>
-                              </p:par>
-                              <p:par>
-                                <p:cTn id="10" presetID="42" presetClass="entr" presetSubtype="0" fill="hold" nodeType="withEffect">
-                                  <p:stCondLst>
-                                    <p:cond delay="0"/>
-                                  </p:stCondLst>
-                                  <p:childTnLst>
-                                    <p:set>
-                                      <p:cBhvr>
-                                        <p:cTn id="11" dur="1" fill="hold">
-                                          <p:stCondLst>
-                                            <p:cond delay="0"/>
-                                          </p:stCondLst>
-                                        </p:cTn>
-                                        <p:tgtEl>
-                                          <p:spTgt spid="5"/>
-                                        </p:tgtEl>
-                                        <p:attrNameLst>
-                                          <p:attrName>style.visibility</p:attrName>
-                                        </p:attrNameLst>
-                                      </p:cBhvr>
-                                      <p:to>
-                                        <p:strVal val="visible"/>
-                                      </p:to>
-                                    </p:set>
-                                    <p:animEffect transition="in" filter="fade">
-                                      <p:cBhvr>
-                                        <p:cTn id="12" dur="1000"/>
-                                        <p:tgtEl>
-                                          <p:spTgt spid="5"/>
-                                        </p:tgtEl>
-                                      </p:cBhvr>
-                                    </p:animEffect>
-                                    <p:anim calcmode="lin" valueType="num">
-                                      <p:cBhvr>
-                                        <p:cTn id="13" dur="1000" fill="hold"/>
-                                        <p:tgtEl>
-                                          <p:spTgt spid="5"/>
-                                        </p:tgtEl>
-                                        <p:attrNameLst>
-                                          <p:attrName>ppt_x</p:attrName>
-                                        </p:attrNameLst>
-                                      </p:cBhvr>
-                                      <p:tavLst>
-                                        <p:tav tm="0">
-                                          <p:val>
-                                            <p:strVal val="#ppt_x"/>
-                                          </p:val>
-                                        </p:tav>
-                                        <p:tav tm="100000">
-                                          <p:val>
-                                            <p:strVal val="#ppt_x"/>
-                                          </p:val>
-                                        </p:tav>
-                                      </p:tavLst>
-                                    </p:anim>
-                                    <p:anim calcmode="lin" valueType="num">
-                                      <p:cBhvr>
-                                        <p:cTn id="14" dur="1000" fill="hold"/>
-                                        <p:tgtEl>
-                                          <p:spTgt spid="5"/>
-                                        </p:tgtEl>
-                                        <p:attrNameLst>
-                                          <p:attrName>ppt_y</p:attrName>
-                                        </p:attrNameLst>
-                                      </p:cBhvr>
-                                      <p:tavLst>
-                                        <p:tav tm="0">
-                                          <p:val>
-                                            <p:strVal val="#ppt_y+.1"/>
-                                          </p:val>
-                                        </p:tav>
-                                        <p:tav tm="100000">
-                                          <p:val>
-                                            <p:strVal val="#ppt_y"/>
-                                          </p:val>
-                                        </p:tav>
-                                      </p:tavLst>
-                                    </p:anim>
-                                  </p:childTnLst>
-                                </p:cTn>
-                              </p:par>
-                            </p:childTnLst>
-                          </p:cTn>
-                        </p:par>
-                      </p:childTnLst>
-                    </p:cTn>
-                  </p:par>
-                  <p:par>
-                    <p:cTn id="15" fill="hold">
-                      <p:stCondLst>
-                        <p:cond delay="indefinite"/>
-                      </p:stCondLst>
-                      <p:childTnLst>
-                        <p:par>
-                          <p:cTn id="16" fill="hold">
-                            <p:stCondLst>
-                              <p:cond delay="0"/>
-                            </p:stCondLst>
-                            <p:childTnLst>
-                              <p:par>
-                                <p:cTn id="17" presetID="10" presetClass="entr" presetSubtype="0" fill="hold" grpId="0" nodeType="clickEffect">
-                                  <p:stCondLst>
-                                    <p:cond delay="0"/>
-                                  </p:stCondLst>
-                                  <p:childTnLst>
-                                    <p:set>
-                                      <p:cBhvr>
-                                        <p:cTn id="18" dur="1" fill="hold">
-                                          <p:stCondLst>
-                                            <p:cond delay="0"/>
-                                          </p:stCondLst>
-                                        </p:cTn>
-                                        <p:tgtEl>
-                                          <p:spTgt spid="15"/>
-                                        </p:tgtEl>
-                                        <p:attrNameLst>
-                                          <p:attrName>style.visibility</p:attrName>
-                                        </p:attrNameLst>
-                                      </p:cBhvr>
-                                      <p:to>
-                                        <p:strVal val="visible"/>
-                                      </p:to>
-                                    </p:set>
-                                    <p:animEffect transition="in" filter="fade">
-                                      <p:cBhvr>
-                                        <p:cTn id="19" dur="500"/>
+                                        <p:cTn id="7" dur="500"/>
                                         <p:tgtEl>
                                           <p:spTgt spid="15"/>
                                         </p:tgtEl>
@@ -14985,26 +14695,26 @@
                     </p:cTn>
                   </p:par>
                   <p:par>
-                    <p:cTn id="20" fill="hold">
+                    <p:cTn id="8" fill="hold">
                       <p:stCondLst>
                         <p:cond delay="indefinite"/>
                       </p:stCondLst>
                       <p:childTnLst>
                         <p:par>
-                          <p:cTn id="21" fill="hold">
+                          <p:cTn id="9" fill="hold">
                             <p:stCondLst>
                               <p:cond delay="0"/>
                             </p:stCondLst>
                             <p:childTnLst>
                               <p:par>
-                                <p:cTn id="22" presetID="16" presetClass="entr" presetSubtype="21" fill="hold" nodeType="clickEffect">
+                                <p:cTn id="10" presetID="16" presetClass="entr" presetSubtype="21" fill="hold" nodeType="clickEffect">
                                   <p:stCondLst>
                                     <p:cond delay="0"/>
                                   </p:stCondLst>
                                   <p:childTnLst>
                                     <p:set>
                                       <p:cBhvr>
-                                        <p:cTn id="23" dur="1" fill="hold">
+                                        <p:cTn id="11" dur="1" fill="hold">
                                           <p:stCondLst>
                                             <p:cond delay="0"/>
                                           </p:stCondLst>
@@ -15022,7 +14732,7 @@
                                     </p:set>
                                     <p:animEffect transition="in" filter="barn(inVertical)">
                                       <p:cBhvr>
-                                        <p:cTn id="24" dur="500"/>
+                                        <p:cTn id="12" dur="500"/>
                                         <p:tgtEl>
                                           <p:spTgt spid="9"/>
                                         </p:tgtEl>
@@ -15032,14 +14742,14 @@
                                 </p:cTn>
                               </p:par>
                               <p:par>
-                                <p:cTn id="25" presetID="10" presetClass="entr" presetSubtype="0" fill="hold" grpId="0" nodeType="withEffect">
+                                <p:cTn id="13" presetID="10" presetClass="entr" presetSubtype="0" fill="hold" grpId="0" nodeType="withEffect">
                                   <p:stCondLst>
                                     <p:cond delay="0"/>
                                   </p:stCondLst>
                                   <p:childTnLst>
                                     <p:set>
                                       <p:cBhvr>
-                                        <p:cTn id="26" dur="1" fill="hold">
+                                        <p:cTn id="14" dur="1" fill="hold">
                                           <p:stCondLst>
                                             <p:cond delay="0"/>
                                           </p:stCondLst>
@@ -15057,7 +14767,7 @@
                                     </p:set>
                                     <p:animEffect transition="in" filter="fade">
                                       <p:cBhvr>
-                                        <p:cTn id="27" dur="500"/>
+                                        <p:cTn id="15" dur="500"/>
                                         <p:tgtEl>
                                           <p:spTgt spid="18"/>
                                         </p:tgtEl>
@@ -15067,14 +14777,14 @@
                                 </p:cTn>
                               </p:par>
                               <p:par>
-                                <p:cTn id="28" presetID="16" presetClass="entr" presetSubtype="21" fill="hold" nodeType="withEffect">
+                                <p:cTn id="16" presetID="16" presetClass="entr" presetSubtype="21" fill="hold" nodeType="withEffect">
                                   <p:stCondLst>
                                     <p:cond delay="0"/>
                                   </p:stCondLst>
                                   <p:childTnLst>
                                     <p:set>
                                       <p:cBhvr>
-                                        <p:cTn id="29" dur="1" fill="hold">
+                                        <p:cTn id="17" dur="1" fill="hold">
                                           <p:stCondLst>
                                             <p:cond delay="0"/>
                                           </p:stCondLst>
@@ -15092,7 +14802,7 @@
                                     </p:set>
                                     <p:animEffect transition="in" filter="barn(inVertical)">
                                       <p:cBhvr>
-                                        <p:cTn id="30" dur="500"/>
+                                        <p:cTn id="18" dur="500"/>
                                         <p:tgtEl>
                                           <p:spTgt spid="11"/>
                                         </p:tgtEl>
@@ -15108,32 +14818,172 @@
                     </p:cTn>
                   </p:par>
                   <p:par>
-                    <p:cTn id="31" fill="hold">
+                    <p:cTn id="19" fill="hold">
                       <p:stCondLst>
                         <p:cond delay="indefinite"/>
                       </p:stCondLst>
                       <p:childTnLst>
                         <p:par>
-                          <p:cTn id="32" fill="hold">
+                          <p:cTn id="20" fill="hold">
                             <p:stCondLst>
                               <p:cond delay="0"/>
                             </p:stCondLst>
                             <p:childTnLst>
                               <p:par>
-                                <p:cTn id="33" presetID="10" presetClass="entr" presetSubtype="0" fill="hold" grpId="0" nodeType="clickEffect">
+                                <p:cTn id="21" presetID="10" presetClass="entr" presetSubtype="0" fill="hold" grpId="0" nodeType="clickEffect">
                                   <p:stCondLst>
                                     <p:cond delay="0"/>
                                   </p:stCondLst>
                                   <p:childTnLst>
                                     <p:set>
                                       <p:cBhvr>
+                                        <p:cTn id="22" dur="1" fill="hold">
+                                          <p:stCondLst>
+                                            <p:cond delay="0"/>
+                                          </p:stCondLst>
+                                        </p:cTn>
+                                        <p:tgtEl>
+                                          <p:spTgt spid="19"/>
+                                        </p:tgtEl>
+                                        <p:attrNameLst>
+                                          <p:attrName>style.visibility</p:attrName>
+                                        </p:attrNameLst>
+                                      </p:cBhvr>
+                                      <p:to>
+                                        <p:strVal val="visible"/>
+                                      </p:to>
+                                    </p:set>
+                                    <p:animEffect transition="in" filter="fade">
+                                      <p:cBhvr>
+                                        <p:cTn id="23" dur="500"/>
+                                        <p:tgtEl>
+                                          <p:spTgt spid="19"/>
+                                        </p:tgtEl>
+                                      </p:cBhvr>
+                                    </p:animEffect>
+                                  </p:childTnLst>
+                                </p:cTn>
+                              </p:par>
+                              <p:par>
+                                <p:cTn id="24" presetID="16" presetClass="entr" presetSubtype="21" fill="hold" grpId="0" nodeType="withEffect">
+                                  <p:stCondLst>
+                                    <p:cond delay="0"/>
+                                  </p:stCondLst>
+                                  <p:childTnLst>
+                                    <p:set>
+                                      <p:cBhvr>
+                                        <p:cTn id="25" dur="1" fill="hold">
+                                          <p:stCondLst>
+                                            <p:cond delay="0"/>
+                                          </p:stCondLst>
+                                        </p:cTn>
+                                        <p:tgtEl>
+                                          <p:spTgt spid="20"/>
+                                        </p:tgtEl>
+                                        <p:attrNameLst>
+                                          <p:attrName>style.visibility</p:attrName>
+                                        </p:attrNameLst>
+                                      </p:cBhvr>
+                                      <p:to>
+                                        <p:strVal val="visible"/>
+                                      </p:to>
+                                    </p:set>
+                                    <p:animEffect transition="in" filter="barn(inVertical)">
+                                      <p:cBhvr>
+                                        <p:cTn id="26" dur="500"/>
+                                        <p:tgtEl>
+                                          <p:spTgt spid="20"/>
+                                        </p:tgtEl>
+                                      </p:cBhvr>
+                                    </p:animEffect>
+                                  </p:childTnLst>
+                                </p:cTn>
+                              </p:par>
+                              <p:par>
+                                <p:cTn id="27" presetID="16" presetClass="entr" presetSubtype="21" fill="hold" grpId="0" nodeType="withEffect">
+                                  <p:stCondLst>
+                                    <p:cond delay="0"/>
+                                  </p:stCondLst>
+                                  <p:childTnLst>
+                                    <p:set>
+                                      <p:cBhvr>
+                                        <p:cTn id="28" dur="1" fill="hold">
+                                          <p:stCondLst>
+                                            <p:cond delay="0"/>
+                                          </p:stCondLst>
+                                        </p:cTn>
+                                        <p:tgtEl>
+                                          <p:spTgt spid="21"/>
+                                        </p:tgtEl>
+                                        <p:attrNameLst>
+                                          <p:attrName>style.visibility</p:attrName>
+                                        </p:attrNameLst>
+                                      </p:cBhvr>
+                                      <p:to>
+                                        <p:strVal val="visible"/>
+                                      </p:to>
+                                    </p:set>
+                                    <p:animEffect transition="in" filter="barn(inVertical)">
+                                      <p:cBhvr>
+                                        <p:cTn id="29" dur="500"/>
+                                        <p:tgtEl>
+                                          <p:spTgt spid="21"/>
+                                        </p:tgtEl>
+                                      </p:cBhvr>
+                                    </p:animEffect>
+                                  </p:childTnLst>
+                                </p:cTn>
+                              </p:par>
+                              <p:par>
+                                <p:cTn id="30" presetID="16" presetClass="entr" presetSubtype="21" fill="hold" grpId="0" nodeType="withEffect">
+                                  <p:stCondLst>
+                                    <p:cond delay="0"/>
+                                  </p:stCondLst>
+                                  <p:childTnLst>
+                                    <p:set>
+                                      <p:cBhvr>
+                                        <p:cTn id="31" dur="1" fill="hold">
+                                          <p:stCondLst>
+                                            <p:cond delay="0"/>
+                                          </p:stCondLst>
+                                        </p:cTn>
+                                        <p:tgtEl>
+                                          <p:spTgt spid="22"/>
+                                        </p:tgtEl>
+                                        <p:attrNameLst>
+                                          <p:attrName>style.visibility</p:attrName>
+                                        </p:attrNameLst>
+                                      </p:cBhvr>
+                                      <p:to>
+                                        <p:strVal val="visible"/>
+                                      </p:to>
+                                    </p:set>
+                                    <p:animEffect transition="in" filter="barn(inVertical)">
+                                      <p:cBhvr>
+                                        <p:cTn id="32" dur="500"/>
+                                        <p:tgtEl>
+                                          <p:spTgt spid="22"/>
+                                        </p:tgtEl>
+                                      </p:cBhvr>
+                                    </p:animEffect>
+                                  </p:childTnLst>
+                                </p:cTn>
+                              </p:par>
+                              <p:par>
+                                <p:cTn id="33" presetID="16" presetClass="entr" presetSubtype="21" fill="hold" grpId="0" nodeType="withEffect">
+                                  <p:stCondLst>
+                                    <p:cond delay="0"/>
+                                  </p:stCondLst>
+                                  <p:childTnLst>
+                                    <p:set>
+                                      <p:cBhvr>
                                         <p:cTn id="34" dur="1" fill="hold">
                                           <p:stCondLst>
                                             <p:cond delay="0"/>
                                           </p:stCondLst>
                                         </p:cTn>
                                         <p:tgtEl>
-                                          <p:spTgt spid="19"/>
+                                          <p:spTgt spid="23"/>
                                         </p:tgtEl>
                                         <p:attrNameLst>
                                           <p:attrName>style.visibility</p:attrName>
@@ -15143,11 +14993,11 @@
                                         <p:strVal val="visible"/>
                                       </p:to>
                                     </p:set>
-                                    <p:animEffect transition="in" filter="fade">
+                                    <p:animEffect transition="in" filter="barn(inVertical)">
                                       <p:cBhvr>
                                         <p:cTn id="35" dur="500"/>
                                         <p:tgtEl>
-                                          <p:spTgt spid="19"/>
+                                          <p:spTgt spid="23"/>
                                         </p:tgtEl>
                                       </p:cBhvr>
                                     </p:animEffect>
@@ -15168,7 +15018,7 @@
                                           </p:stCondLst>
                                         </p:cTn>
                                         <p:tgtEl>
-                                          <p:spTgt spid="20"/>
+                                          <p:spTgt spid="25"/>
                                         </p:tgtEl>
                                         <p:attrNameLst>
                                           <p:attrName>style.visibility</p:attrName>
@@ -15182,7 +15032,7 @@
                                       <p:cBhvr>
                                         <p:cTn id="38" dur="500"/>
                                         <p:tgtEl>
-                                          <p:spTgt spid="20"/>
+                                          <p:spTgt spid="25"/>
                                         </p:tgtEl>
                                       </p:cBhvr>
                                     </p:animEffect>
@@ -15203,7 +15053,7 @@
                                           </p:stCondLst>
                                         </p:cTn>
                                         <p:tgtEl>
-                                          <p:spTgt spid="21"/>
+                                          <p:spTgt spid="26"/>
                                         </p:tgtEl>
                                         <p:attrNameLst>
                                           <p:attrName>style.visibility</p:attrName>
@@ -15217,7 +15067,7 @@
                                       <p:cBhvr>
                                         <p:cTn id="41" dur="500"/>
                                         <p:tgtEl>
-                                          <p:spTgt spid="21"/>
+                                          <p:spTgt spid="26"/>
                                         </p:tgtEl>
                                       </p:cBhvr>
                                     </p:animEffect>
@@ -15238,7 +15088,7 @@
                                           </p:stCondLst>
                                         </p:cTn>
                                         <p:tgtEl>
-                                          <p:spTgt spid="22"/>
+                                          <p:spTgt spid="27"/>
                                         </p:tgtEl>
                                         <p:attrNameLst>
                                           <p:attrName>style.visibility</p:attrName>
@@ -15252,7 +15102,7 @@
                                       <p:cBhvr>
                                         <p:cTn id="44" dur="500"/>
                                         <p:tgtEl>
-                                          <p:spTgt spid="22"/>
+                                          <p:spTgt spid="27"/>
                                         </p:tgtEl>
                                       </p:cBhvr>
                                     </p:animEffect>
@@ -15273,7 +15123,7 @@
                                           </p:stCondLst>
                                         </p:cTn>
                                         <p:tgtEl>
-                                          <p:spTgt spid="23"/>
+                                          <p:spTgt spid="28"/>
                                         </p:tgtEl>
                                         <p:attrNameLst>
                                           <p:attrName>style.visibility</p:attrName>
@@ -15286,146 +15136,6 @@
                                     <p:animEffect transition="in" filter="barn(inVertical)">
                                       <p:cBhvr>
                                         <p:cTn id="47" dur="500"/>
-                                        <p:tgtEl>
-                                          <p:spTgt spid="23"/>
-                                        </p:tgtEl>
-                                      </p:cBhvr>
-                                    </p:animEffect>
-                                  </p:childTnLst>
-                                </p:cTn>
-                              </p:par>
-                              <p:par>
-                                <p:cTn id="48" presetID="16" presetClass="entr" presetSubtype="21" fill="hold" grpId="0" nodeType="withEffect">
-                                  <p:stCondLst>
-                                    <p:cond delay="0"/>
-                                  </p:stCondLst>
-                                  <p:childTnLst>
-                                    <p:set>
-                                      <p:cBhvr>
-                                        <p:cTn id="49" dur="1" fill="hold">
-                                          <p:stCondLst>
-                                            <p:cond delay="0"/>
-                                          </p:stCondLst>
-                                        </p:cTn>
-                                        <p:tgtEl>
-                                          <p:spTgt spid="25"/>
-                                        </p:tgtEl>
-                                        <p:attrNameLst>
-                                          <p:attrName>style.visibility</p:attrName>
-                                        </p:attrNameLst>
-                                      </p:cBhvr>
-                                      <p:to>
-                                        <p:strVal val="visible"/>
-                                      </p:to>
-                                    </p:set>
-                                    <p:animEffect transition="in" filter="barn(inVertical)">
-                                      <p:cBhvr>
-                                        <p:cTn id="50" dur="500"/>
-                                        <p:tgtEl>
-                                          <p:spTgt spid="25"/>
-                                        </p:tgtEl>
-                                      </p:cBhvr>
-                                    </p:animEffect>
-                                  </p:childTnLst>
-                                </p:cTn>
-                              </p:par>
-                              <p:par>
-                                <p:cTn id="51" presetID="16" presetClass="entr" presetSubtype="21" fill="hold" grpId="0" nodeType="withEffect">
-                                  <p:stCondLst>
-                                    <p:cond delay="0"/>
-                                  </p:stCondLst>
-                                  <p:childTnLst>
-                                    <p:set>
-                                      <p:cBhvr>
-                                        <p:cTn id="52" dur="1" fill="hold">
-                                          <p:stCondLst>
-                                            <p:cond delay="0"/>
-                                          </p:stCondLst>
-                                        </p:cTn>
-                                        <p:tgtEl>
-                                          <p:spTgt spid="26"/>
-                                        </p:tgtEl>
-                                        <p:attrNameLst>
-                                          <p:attrName>style.visibility</p:attrName>
-                                        </p:attrNameLst>
-                                      </p:cBhvr>
-                                      <p:to>
-                                        <p:strVal val="visible"/>
-                                      </p:to>
-                                    </p:set>
-                                    <p:animEffect transition="in" filter="barn(inVertical)">
-                                      <p:cBhvr>
-                                        <p:cTn id="53" dur="500"/>
-                                        <p:tgtEl>
-                                          <p:spTgt spid="26"/>
-                                        </p:tgtEl>
-                                      </p:cBhvr>
-                                    </p:animEffect>
-                                  </p:childTnLst>
-                                </p:cTn>
-                              </p:par>
-                              <p:par>
-                                <p:cTn id="54" presetID="16" presetClass="entr" presetSubtype="21" fill="hold" grpId="0" nodeType="withEffect">
-                                  <p:stCondLst>
-                                    <p:cond delay="0"/>
-                                  </p:stCondLst>
-                                  <p:childTnLst>
-                                    <p:set>
-                                      <p:cBhvr>
-                                        <p:cTn id="55" dur="1" fill="hold">
-                                          <p:stCondLst>
-                                            <p:cond delay="0"/>
-                                          </p:stCondLst>
-                                        </p:cTn>
-                                        <p:tgtEl>
-                                          <p:spTgt spid="27"/>
-                                        </p:tgtEl>
-                                        <p:attrNameLst>
-                                          <p:attrName>style.visibility</p:attrName>
-                                        </p:attrNameLst>
-                                      </p:cBhvr>
-                                      <p:to>
-                                        <p:strVal val="visible"/>
-                                      </p:to>
-                                    </p:set>
-                                    <p:animEffect transition="in" filter="barn(inVertical)">
-                                      <p:cBhvr>
-                                        <p:cTn id="56" dur="500"/>
-                                        <p:tgtEl>
-                                          <p:spTgt spid="27"/>
-                                        </p:tgtEl>
-                                      </p:cBhvr>
-                                    </p:animEffect>
-                                  </p:childTnLst>
-                                </p:cTn>
-                              </p:par>
-                              <p:par>
-                                <p:cTn id="57" presetID="16" presetClass="entr" presetSubtype="21" fill="hold" grpId="0" nodeType="withEffect">
-                                  <p:stCondLst>
-                                    <p:cond delay="0"/>
-                                  </p:stCondLst>
-                                  <p:childTnLst>
-                                    <p:set>
-                                      <p:cBhvr>
-                                        <p:cTn id="58" dur="1" fill="hold">
-                                          <p:stCondLst>
-                                            <p:cond delay="0"/>
-                                          </p:stCondLst>
-                                        </p:cTn>
-                                        <p:tgtEl>
-                                          <p:spTgt spid="28"/>
-                                        </p:tgtEl>
-                                        <p:attrNameLst>
-                                          <p:attrName>style.visibility</p:attrName>
-                                        </p:attrNameLst>
-                                      </p:cBhvr>
-                                      <p:to>
-                                        <p:strVal val="visible"/>
-                                      </p:to>
-                                    </p:set>
-                                    <p:animEffect transition="in" filter="barn(inVertical)">
-                                      <p:cBhvr>
-                                        <p:cTn id="59" dur="500"/>
                                         <p:tgtEl>
                                           <p:spTgt spid="28"/>
                                         </p:tgtEl>
@@ -16943,16 +16653,6 @@
               </a:rPr>
               <a:t> do?</a:t>
             </a:r>
-            <a:endParaRPr lang="it-IT" sz="5333" dirty="0">
-              <a:effectLst>
-                <a:outerShdw blurRad="38100" dist="38100" dir="2700000" algn="tl">
-                  <a:srgbClr val="000000">
-                    <a:alpha val="43137"/>
-                  </a:srgbClr>
-                </a:outerShdw>
-              </a:effectLst>
-              <a:latin typeface="Cambria" panose="02040503050406030204" pitchFamily="18" charset="0"/>
-            </a:endParaRPr>
           </a:p>
         </p:txBody>
       </p:sp>
@@ -17513,31 +17213,7 @@
               <a:rPr lang="en-US" sz="2667" dirty="0">
                 <a:latin typeface="Cambria" panose="02040503050406030204" pitchFamily="18" charset="0"/>
               </a:rPr>
-              <a:t>manages </a:t>
-            </a:r>
-            <a:r>
-              <a:rPr lang="en-US" sz="2667" dirty="0">
-                <a:latin typeface="Cambria" panose="02040503050406030204" pitchFamily="18" charset="0"/>
-              </a:rPr>
-              <a:t>the interceptors </a:t>
-            </a:r>
-            <a:r>
-              <a:rPr lang="en-US" sz="2667" dirty="0">
-                <a:latin typeface="Cambria" panose="02040503050406030204" pitchFamily="18" charset="0"/>
-              </a:rPr>
-              <a:t>in </a:t>
-            </a:r>
-            <a:r>
-              <a:rPr lang="en-US" sz="2667" dirty="0">
-                <a:latin typeface="Cambria" panose="02040503050406030204" pitchFamily="18" charset="0"/>
-              </a:rPr>
-              <a:t>a java EE </a:t>
-            </a:r>
-            <a:r>
-              <a:rPr lang="en-US" sz="2667" dirty="0">
-                <a:latin typeface="Cambria" panose="02040503050406030204" pitchFamily="18" charset="0"/>
-              </a:rPr>
-              <a:t>container. </a:t>
+              <a:t>manages the interceptors in a java EE container. </a:t>
             </a:r>
           </a:p>
           <a:p>
@@ -17564,13 +17240,16 @@
               <a:rPr lang="en-US" sz="2667" dirty="0">
                 <a:latin typeface="Cambria" panose="02040503050406030204" pitchFamily="18" charset="0"/>
               </a:rPr>
-              <a:t>auxiliary components “attached” </a:t>
-            </a:r>
+              <a:t>auxiliary components “attached” to bean classes (or single methods).</a:t>
+            </a:r>
+          </a:p>
+          <a:p>
+            <a:pPr lvl="1"/>
             <a:r>
               <a:rPr lang="en-US" sz="2667" dirty="0">
                 <a:latin typeface="Cambria" panose="02040503050406030204" pitchFamily="18" charset="0"/>
               </a:rPr>
-              <a:t>to bean classes (or single methods).</a:t>
+              <a:t>intercept method calls or lifecycle events on the target bean class in order to execute some kind of pre/post-processing.</a:t>
             </a:r>
           </a:p>
           <a:p>
@@ -17579,44 +17258,8 @@
               <a:rPr lang="en-US" sz="2667" dirty="0">
                 <a:latin typeface="Cambria" panose="02040503050406030204" pitchFamily="18" charset="0"/>
               </a:rPr>
-              <a:t>intercept </a:t>
-            </a:r>
-            <a:r>
-              <a:rPr lang="en-US" sz="2667" dirty="0">
-                <a:latin typeface="Cambria" panose="02040503050406030204" pitchFamily="18" charset="0"/>
-              </a:rPr>
-              <a:t>method calls </a:t>
-            </a:r>
-            <a:r>
-              <a:rPr lang="en-US" sz="2667" dirty="0">
-                <a:latin typeface="Cambria" panose="02040503050406030204" pitchFamily="18" charset="0"/>
-              </a:rPr>
-              <a:t>or lifecycle events on </a:t>
-            </a:r>
-            <a:r>
-              <a:rPr lang="en-US" sz="2667" dirty="0">
-                <a:latin typeface="Cambria" panose="02040503050406030204" pitchFamily="18" charset="0"/>
-              </a:rPr>
-              <a:t>the target bean class in order to execute some kind of </a:t>
-            </a:r>
-            <a:r>
-              <a:rPr lang="en-US" sz="2667" dirty="0">
-                <a:latin typeface="Cambria" panose="02040503050406030204" pitchFamily="18" charset="0"/>
-              </a:rPr>
-              <a:t>pre/post-processing.</a:t>
-            </a:r>
-          </a:p>
-          <a:p>
-            <a:pPr lvl="1"/>
-            <a:r>
-              <a:rPr lang="en-US" sz="2667" dirty="0">
-                <a:latin typeface="Cambria" panose="02040503050406030204" pitchFamily="18" charset="0"/>
-              </a:rPr>
               <a:t>follow the lifecycle of the target class’ instance. </a:t>
             </a:r>
-            <a:endParaRPr lang="en-US" sz="2667" dirty="0">
-              <a:latin typeface="Cambria" panose="02040503050406030204" pitchFamily="18" charset="0"/>
-            </a:endParaRPr>
           </a:p>
           <a:p>
             <a:pPr lvl="1"/>
@@ -18218,17 +17861,12 @@
           <a:p>
             <a:r>
               <a:rPr lang="it-IT" sz="2400" dirty="0" err="1"/>
-              <a:t>i</a:t>
-            </a:r>
-            <a:r>
-              <a:rPr lang="it-IT" sz="2400" dirty="0" err="1"/>
-              <a:t>ntercept</a:t>
+              <a:t>intercept</a:t>
             </a:r>
             <a:r>
               <a:rPr lang="it-IT" sz="2400" dirty="0"/>
               <a:t>()</a:t>
             </a:r>
-            <a:endParaRPr lang="it-IT" sz="2400" dirty="0"/>
           </a:p>
         </p:txBody>
       </p:sp>
@@ -18289,11 +17927,7 @@
           <a:p>
             <a:r>
               <a:rPr lang="it-IT" sz="2400" dirty="0" err="1"/>
-              <a:t>p</a:t>
-            </a:r>
-            <a:r>
-              <a:rPr lang="it-IT" sz="2400" dirty="0" err="1"/>
-              <a:t>re</a:t>
+              <a:t>pre</a:t>
             </a:r>
             <a:r>
               <a:rPr lang="it-IT" sz="2400" dirty="0"/>
@@ -18966,7 +18600,6 @@
               <a:rPr lang="it-IT" sz="2400" dirty="0"/>
               <a:t>)</a:t>
             </a:r>
-            <a:endParaRPr lang="it-IT" sz="2400" dirty="0"/>
           </a:p>
         </p:txBody>
       </p:sp>
@@ -19008,11 +18641,7 @@
             <a:pPr algn="ctr"/>
             <a:r>
               <a:rPr lang="it-IT" sz="2400" dirty="0"/>
-              <a:t>t</a:t>
-            </a:r>
-            <a:r>
-              <a:rPr lang="it-IT" sz="2400" dirty="0"/>
-              <a:t>arget </a:t>
+              <a:t>target </a:t>
             </a:r>
             <a:r>
               <a:rPr lang="it-IT" sz="2400" dirty="0" err="1"/>
@@ -19169,17 +18798,12 @@
           <a:p>
             <a:r>
               <a:rPr lang="it-IT" sz="2400" dirty="0" err="1"/>
-              <a:t>i</a:t>
-            </a:r>
-            <a:r>
-              <a:rPr lang="it-IT" sz="2400" dirty="0" err="1"/>
-              <a:t>ntercept</a:t>
+              <a:t>intercept</a:t>
             </a:r>
             <a:r>
               <a:rPr lang="it-IT" sz="2400" dirty="0"/>
               <a:t>()</a:t>
             </a:r>
-            <a:endParaRPr lang="it-IT" sz="2400" dirty="0"/>
           </a:p>
         </p:txBody>
       </p:sp>
@@ -19240,17 +18864,12 @@
           <a:p>
             <a:r>
               <a:rPr lang="it-IT" sz="2400" dirty="0" err="1"/>
-              <a:t>p</a:t>
-            </a:r>
-            <a:r>
-              <a:rPr lang="it-IT" sz="2400" dirty="0" err="1"/>
-              <a:t>re</a:t>
+              <a:t>pre</a:t>
             </a:r>
             <a:r>
               <a:rPr lang="it-IT" sz="2400" dirty="0"/>
               <a:t>/post- processing</a:t>
             </a:r>
-            <a:endParaRPr lang="it-IT" sz="2400" dirty="0"/>
           </a:p>
         </p:txBody>
       </p:sp>
@@ -19996,55 +19615,139 @@
               <a:rPr lang="it-IT" sz="2667" dirty="0">
                 <a:latin typeface="Cambria" panose="02040503050406030204" pitchFamily="18" charset="0"/>
               </a:rPr>
-              <a:t>load2xLifecycleMethods</a:t>
+              <a:t>load2xLifecycleMethods( </a:t>
+            </a:r>
+            <a:r>
+              <a:rPr lang="it-IT" sz="2667" dirty="0" err="1">
+                <a:latin typeface="Cambria" panose="02040503050406030204" pitchFamily="18" charset="0"/>
+              </a:rPr>
+              <a:t>ArrayList</a:t>
             </a:r>
             <a:r>
               <a:rPr lang="it-IT" sz="2667" dirty="0">
                 <a:latin typeface="Cambria" panose="02040503050406030204" pitchFamily="18" charset="0"/>
               </a:rPr>
-              <a:t>( </a:t>
+              <a:t> &lt; </a:t>
             </a:r>
             <a:r>
               <a:rPr lang="it-IT" sz="2667" dirty="0" err="1">
                 <a:latin typeface="Cambria" panose="02040503050406030204" pitchFamily="18" charset="0"/>
               </a:rPr>
-              <a:t>ArrayList</a:t>
+              <a:t>CallbackInterceptor</a:t>
             </a:r>
             <a:r>
               <a:rPr lang="it-IT" sz="2667" dirty="0">
                 <a:latin typeface="Cambria" panose="02040503050406030204" pitchFamily="18" charset="0"/>
               </a:rPr>
-              <a:t> &lt; </a:t>
+              <a:t> &gt; [ ] </a:t>
             </a:r>
             <a:r>
               <a:rPr lang="it-IT" sz="2667" dirty="0" err="1">
                 <a:latin typeface="Cambria" panose="02040503050406030204" pitchFamily="18" charset="0"/>
               </a:rPr>
-              <a:t>CallbackInterceptor</a:t>
+              <a:t>metaArray</a:t>
             </a:r>
             <a:r>
               <a:rPr lang="it-IT" sz="2667" dirty="0">
                 <a:latin typeface="Cambria" panose="02040503050406030204" pitchFamily="18" charset="0"/>
               </a:rPr>
-              <a:t> &gt; [ ] </a:t>
-            </a:r>
-            <a:r>
-              <a:rPr lang="it-IT" sz="2667" dirty="0" err="1">
-                <a:latin typeface="Cambria" panose="02040503050406030204" pitchFamily="18" charset="0"/>
-              </a:rPr>
-              <a:t>metaArray</a:t>
-            </a:r>
-            <a:r>
-              <a:rPr lang="it-IT" sz="2667" dirty="0">
-                <a:latin typeface="Cambria" panose="02040503050406030204" pitchFamily="18" charset="0"/>
-              </a:rPr>
               <a:t> ) </a:t>
             </a:r>
+          </a:p>
+          <a:p>
+            <a:pPr marL="609585" lvl="1" indent="0">
+              <a:buNone/>
+            </a:pPr>
+            <a:r>
+              <a:rPr lang="en-US" sz="2533" dirty="0">
+                <a:latin typeface="Cambria" panose="02040503050406030204" pitchFamily="18" charset="0"/>
+              </a:rPr>
+              <a:t>called to load interceptors that act accordingly to old 2.x versions of the EJB standard. </a:t>
+            </a:r>
+            <a:endParaRPr lang="it-IT" sz="2533" dirty="0">
+              <a:latin typeface="Cambria" panose="02040503050406030204" pitchFamily="18" charset="0"/>
+            </a:endParaRPr>
+          </a:p>
+          <a:p>
             <a:endParaRPr lang="it-IT" sz="2667" dirty="0">
               <a:latin typeface="Cambria" panose="02040503050406030204" pitchFamily="18" charset="0"/>
             </a:endParaRPr>
           </a:p>
           <a:p>
+            <a:r>
+              <a:rPr lang="it-IT" sz="2667" dirty="0" err="1">
+                <a:latin typeface="Cambria" panose="02040503050406030204" pitchFamily="18" charset="0"/>
+              </a:rPr>
+              <a:t>loadOnlyEjbCreateMethod</a:t>
+            </a:r>
+            <a:r>
+              <a:rPr lang="it-IT" sz="2667" dirty="0">
+                <a:latin typeface="Cambria" panose="02040503050406030204" pitchFamily="18" charset="0"/>
+              </a:rPr>
+              <a:t>( </a:t>
+            </a:r>
+            <a:r>
+              <a:rPr lang="it-IT" sz="2667" dirty="0" err="1">
+                <a:latin typeface="Cambria" panose="02040503050406030204" pitchFamily="18" charset="0"/>
+              </a:rPr>
+              <a:t>ArrayList</a:t>
+            </a:r>
+            <a:r>
+              <a:rPr lang="it-IT" sz="2667" dirty="0">
+                <a:latin typeface="Cambria" panose="02040503050406030204" pitchFamily="18" charset="0"/>
+              </a:rPr>
+              <a:t> &lt; </a:t>
+            </a:r>
+            <a:r>
+              <a:rPr lang="it-IT" sz="2667" dirty="0" err="1">
+                <a:latin typeface="Cambria" panose="02040503050406030204" pitchFamily="18" charset="0"/>
+              </a:rPr>
+              <a:t>CallbackInterceptor</a:t>
+            </a:r>
+            <a:r>
+              <a:rPr lang="it-IT" sz="2667" dirty="0">
+                <a:latin typeface="Cambria" panose="02040503050406030204" pitchFamily="18" charset="0"/>
+              </a:rPr>
+              <a:t> &gt; [ ] </a:t>
+            </a:r>
+            <a:r>
+              <a:rPr lang="it-IT" sz="2667" dirty="0" err="1">
+                <a:latin typeface="Cambria" panose="02040503050406030204" pitchFamily="18" charset="0"/>
+              </a:rPr>
+              <a:t>metaArray</a:t>
+            </a:r>
+            <a:r>
+              <a:rPr lang="it-IT" sz="2667" dirty="0">
+                <a:latin typeface="Cambria" panose="02040503050406030204" pitchFamily="18" charset="0"/>
+              </a:rPr>
+              <a:t> , </a:t>
+            </a:r>
+            <a:r>
+              <a:rPr lang="it-IT" sz="2667" dirty="0" err="1">
+                <a:latin typeface="Cambria" panose="02040503050406030204" pitchFamily="18" charset="0"/>
+              </a:rPr>
+              <a:t>int</a:t>
+            </a:r>
+            <a:r>
+              <a:rPr lang="it-IT" sz="2667" dirty="0">
+                <a:latin typeface="Cambria" panose="02040503050406030204" pitchFamily="18" charset="0"/>
+              </a:rPr>
+              <a:t> </a:t>
+            </a:r>
+            <a:r>
+              <a:rPr lang="it-IT" sz="2667" dirty="0" err="1">
+                <a:latin typeface="Cambria" panose="02040503050406030204" pitchFamily="18" charset="0"/>
+              </a:rPr>
+              <a:t>numPostConstructFrameworkCallbacks</a:t>
+            </a:r>
+            <a:r>
+              <a:rPr lang="it-IT" sz="2667" dirty="0">
+                <a:latin typeface="Cambria" panose="02040503050406030204" pitchFamily="18" charset="0"/>
+              </a:rPr>
+              <a:t> ) </a:t>
+            </a:r>
+          </a:p>
+          <a:p>
             <a:pPr marL="609585" lvl="1" indent="0">
               <a:buNone/>
             </a:pPr>
@@ -20052,130 +19755,19 @@
               <a:rPr lang="en-US" sz="2533" dirty="0">
                 <a:latin typeface="Cambria" panose="02040503050406030204" pitchFamily="18" charset="0"/>
               </a:rPr>
-              <a:t>called to load interceptors that act accordingly to old 2.x versions of the EJB standard. </a:t>
-            </a:r>
-            <a:endParaRPr lang="it-IT" sz="2533" dirty="0">
-              <a:latin typeface="Cambria" panose="02040503050406030204" pitchFamily="18" charset="0"/>
-            </a:endParaRPr>
-          </a:p>
-          <a:p>
-            <a:endParaRPr lang="it-IT" sz="2667" dirty="0">
-              <a:latin typeface="Cambria" panose="02040503050406030204" pitchFamily="18" charset="0"/>
-            </a:endParaRPr>
-          </a:p>
-          <a:p>
-            <a:r>
-              <a:rPr lang="it-IT" sz="2667" dirty="0" err="1">
-                <a:latin typeface="Cambria" panose="02040503050406030204" pitchFamily="18" charset="0"/>
-              </a:rPr>
-              <a:t>loadOnlyEjbCreateMethod</a:t>
-            </a:r>
-            <a:r>
-              <a:rPr lang="it-IT" sz="2667" dirty="0">
-                <a:latin typeface="Cambria" panose="02040503050406030204" pitchFamily="18" charset="0"/>
-              </a:rPr>
-              <a:t>( </a:t>
-            </a:r>
-            <a:r>
-              <a:rPr lang="it-IT" sz="2667" dirty="0" err="1">
-                <a:latin typeface="Cambria" panose="02040503050406030204" pitchFamily="18" charset="0"/>
-              </a:rPr>
-              <a:t>ArrayList</a:t>
-            </a:r>
-            <a:r>
-              <a:rPr lang="it-IT" sz="2667" dirty="0">
-                <a:latin typeface="Cambria" panose="02040503050406030204" pitchFamily="18" charset="0"/>
-              </a:rPr>
-              <a:t> &lt; </a:t>
-            </a:r>
-            <a:r>
-              <a:rPr lang="it-IT" sz="2667" dirty="0" err="1">
-                <a:latin typeface="Cambria" panose="02040503050406030204" pitchFamily="18" charset="0"/>
-              </a:rPr>
-              <a:t>CallbackInterceptor</a:t>
-            </a:r>
-            <a:r>
-              <a:rPr lang="it-IT" sz="2667" dirty="0">
-                <a:latin typeface="Cambria" panose="02040503050406030204" pitchFamily="18" charset="0"/>
-              </a:rPr>
-              <a:t> &gt; [ ] </a:t>
-            </a:r>
-            <a:r>
-              <a:rPr lang="it-IT" sz="2667" dirty="0" err="1">
-                <a:latin typeface="Cambria" panose="02040503050406030204" pitchFamily="18" charset="0"/>
-              </a:rPr>
-              <a:t>metaArray</a:t>
-            </a:r>
-            <a:r>
-              <a:rPr lang="it-IT" sz="2667" dirty="0">
-                <a:latin typeface="Cambria" panose="02040503050406030204" pitchFamily="18" charset="0"/>
-              </a:rPr>
-              <a:t> , </a:t>
-            </a:r>
-            <a:r>
-              <a:rPr lang="it-IT" sz="2667" dirty="0" err="1">
-                <a:latin typeface="Cambria" panose="02040503050406030204" pitchFamily="18" charset="0"/>
-              </a:rPr>
-              <a:t>int</a:t>
-            </a:r>
-            <a:r>
-              <a:rPr lang="it-IT" sz="2667" dirty="0">
-                <a:latin typeface="Cambria" panose="02040503050406030204" pitchFamily="18" charset="0"/>
-              </a:rPr>
-              <a:t> </a:t>
-            </a:r>
-            <a:r>
-              <a:rPr lang="it-IT" sz="2667" dirty="0" err="1">
-                <a:latin typeface="Cambria" panose="02040503050406030204" pitchFamily="18" charset="0"/>
-              </a:rPr>
-              <a:t>numPostConstructFrameworkCallbacks</a:t>
-            </a:r>
-            <a:r>
-              <a:rPr lang="it-IT" sz="2667" dirty="0">
-                <a:latin typeface="Cambria" panose="02040503050406030204" pitchFamily="18" charset="0"/>
-              </a:rPr>
-              <a:t> ) </a:t>
-            </a:r>
-          </a:p>
-          <a:p>
-            <a:pPr marL="609585" lvl="1" indent="0">
-              <a:buNone/>
-            </a:pPr>
+              <a:t>called to load only interceptors for “</a:t>
+            </a:r>
+            <a:r>
+              <a:rPr lang="en-US" sz="2533" dirty="0" err="1">
+                <a:latin typeface="Cambria" panose="02040503050406030204" pitchFamily="18" charset="0"/>
+              </a:rPr>
+              <a:t>ejbCreate</a:t>
+            </a:r>
             <a:r>
               <a:rPr lang="en-US" sz="2533" dirty="0">
                 <a:latin typeface="Cambria" panose="02040503050406030204" pitchFamily="18" charset="0"/>
               </a:rPr>
-              <a:t>called </a:t>
-            </a:r>
-            <a:r>
-              <a:rPr lang="en-US" sz="2533" dirty="0">
-                <a:latin typeface="Cambria" panose="02040503050406030204" pitchFamily="18" charset="0"/>
-              </a:rPr>
-              <a:t>to load only interceptors for “</a:t>
-            </a:r>
-            <a:r>
-              <a:rPr lang="en-US" sz="2533" dirty="0" err="1">
-                <a:latin typeface="Cambria" panose="02040503050406030204" pitchFamily="18" charset="0"/>
-              </a:rPr>
-              <a:t>ejbCreate</a:t>
-            </a:r>
-            <a:r>
-              <a:rPr lang="en-US" sz="2533" dirty="0">
-                <a:latin typeface="Cambria" panose="02040503050406030204" pitchFamily="18" charset="0"/>
-              </a:rPr>
-              <a:t>” methods in </a:t>
-            </a:r>
-            <a:r>
-              <a:rPr lang="en-US" sz="2533" dirty="0">
-                <a:latin typeface="Cambria" panose="02040503050406030204" pitchFamily="18" charset="0"/>
-              </a:rPr>
-              <a:t>case of </a:t>
-            </a:r>
-            <a:r>
-              <a:rPr lang="en-US" sz="2533" dirty="0">
-                <a:latin typeface="Cambria" panose="02040503050406030204" pitchFamily="18" charset="0"/>
-              </a:rPr>
-              <a:t>a component that does not have a @</a:t>
+              <a:t>” methods in case of a component that does not have a @</a:t>
             </a:r>
             <a:r>
               <a:rPr lang="en-US" sz="2533" dirty="0" err="1">
@@ -20639,9 +20231,6 @@
               </a:rPr>
               <a:t> ) </a:t>
             </a:r>
-            <a:endParaRPr lang="en-US" sz="2933" dirty="0">
-              <a:latin typeface="Cambria" panose="02040503050406030204" pitchFamily="18" charset="0"/>
-            </a:endParaRPr>
           </a:p>
           <a:p>
             <a:r>
@@ -20680,9 +20269,6 @@
               </a:rPr>
               <a:t> ) </a:t>
             </a:r>
-            <a:endParaRPr lang="en-US" sz="2933" dirty="0">
-              <a:latin typeface="Cambria" panose="02040503050406030204" pitchFamily="18" charset="0"/>
-            </a:endParaRPr>
           </a:p>
           <a:p>
             <a:r>
@@ -21318,16 +20904,6 @@
               </a:rPr>
               <a:t>!</a:t>
             </a:r>
-            <a:endParaRPr lang="it-IT" sz="5333" dirty="0">
-              <a:effectLst>
-                <a:outerShdw blurRad="38100" dist="38100" dir="2700000" algn="tl">
-                  <a:srgbClr val="000000">
-                    <a:alpha val="43137"/>
-                  </a:srgbClr>
-                </a:outerShdw>
-              </a:effectLst>
-              <a:latin typeface="Cambria" panose="02040503050406030204" pitchFamily="18" charset="0"/>
-            </a:endParaRPr>
           </a:p>
         </p:txBody>
       </p:sp>

--- a/OtherStuff/Code Inspection Presentation.pptx
+++ b/OtherStuff/Code Inspection Presentation.pptx
@@ -136,7 +136,7 @@
   </p:defaultTextStyle>
   <p:extLst>
     <p:ext uri="{EFAFB233-063F-42B5-8137-9DF3F51BA10A}">
-      <p15:sldGuideLst xmlns:p15="http://schemas.microsoft.com/office/powerpoint/2012/main"/>
+      <p15:sldGuideLst xmlns:p15="http://schemas.microsoft.com/office/powerpoint/2012/main" xmlns=""/>
     </p:ext>
   </p:extLst>
 </p:presentation>
@@ -273,7 +273,7 @@
           <a:p>
             <a:fld id="{07CEF1F6-5A86-4791-8874-D64862DF8FAA}" type="datetimeFigureOut">
               <a:rPr lang="en-US" smtClean="0"/>
-              <a:t>1/2/2016</a:t>
+              <a:t>1/3/2016</a:t>
             </a:fld>
             <a:endParaRPr lang="en-US"/>
           </a:p>
@@ -443,7 +443,7 @@
           <a:p>
             <a:fld id="{07CEF1F6-5A86-4791-8874-D64862DF8FAA}" type="datetimeFigureOut">
               <a:rPr lang="en-US" smtClean="0"/>
-              <a:t>1/2/2016</a:t>
+              <a:t>1/3/2016</a:t>
             </a:fld>
             <a:endParaRPr lang="en-US"/>
           </a:p>
@@ -623,7 +623,7 @@
           <a:p>
             <a:fld id="{07CEF1F6-5A86-4791-8874-D64862DF8FAA}" type="datetimeFigureOut">
               <a:rPr lang="en-US" smtClean="0"/>
-              <a:t>1/2/2016</a:t>
+              <a:t>1/3/2016</a:t>
             </a:fld>
             <a:endParaRPr lang="en-US"/>
           </a:p>
@@ -793,7 +793,7 @@
           <a:p>
             <a:fld id="{07CEF1F6-5A86-4791-8874-D64862DF8FAA}" type="datetimeFigureOut">
               <a:rPr lang="en-US" smtClean="0"/>
-              <a:t>1/2/2016</a:t>
+              <a:t>1/3/2016</a:t>
             </a:fld>
             <a:endParaRPr lang="en-US"/>
           </a:p>
@@ -1039,7 +1039,7 @@
           <a:p>
             <a:fld id="{07CEF1F6-5A86-4791-8874-D64862DF8FAA}" type="datetimeFigureOut">
               <a:rPr lang="en-US" smtClean="0"/>
-              <a:t>1/2/2016</a:t>
+              <a:t>1/3/2016</a:t>
             </a:fld>
             <a:endParaRPr lang="en-US"/>
           </a:p>
@@ -1271,7 +1271,7 @@
           <a:p>
             <a:fld id="{07CEF1F6-5A86-4791-8874-D64862DF8FAA}" type="datetimeFigureOut">
               <a:rPr lang="en-US" smtClean="0"/>
-              <a:t>1/2/2016</a:t>
+              <a:t>1/3/2016</a:t>
             </a:fld>
             <a:endParaRPr lang="en-US"/>
           </a:p>
@@ -1638,7 +1638,7 @@
           <a:p>
             <a:fld id="{07CEF1F6-5A86-4791-8874-D64862DF8FAA}" type="datetimeFigureOut">
               <a:rPr lang="en-US" smtClean="0"/>
-              <a:t>1/2/2016</a:t>
+              <a:t>1/3/2016</a:t>
             </a:fld>
             <a:endParaRPr lang="en-US"/>
           </a:p>
@@ -1756,7 +1756,7 @@
           <a:p>
             <a:fld id="{07CEF1F6-5A86-4791-8874-D64862DF8FAA}" type="datetimeFigureOut">
               <a:rPr lang="en-US" smtClean="0"/>
-              <a:t>1/2/2016</a:t>
+              <a:t>1/3/2016</a:t>
             </a:fld>
             <a:endParaRPr lang="en-US"/>
           </a:p>
@@ -1851,7 +1851,7 @@
           <a:p>
             <a:fld id="{07CEF1F6-5A86-4791-8874-D64862DF8FAA}" type="datetimeFigureOut">
               <a:rPr lang="en-US" smtClean="0"/>
-              <a:t>1/2/2016</a:t>
+              <a:t>1/3/2016</a:t>
             </a:fld>
             <a:endParaRPr lang="en-US"/>
           </a:p>
@@ -2128,7 +2128,7 @@
           <a:p>
             <a:fld id="{07CEF1F6-5A86-4791-8874-D64862DF8FAA}" type="datetimeFigureOut">
               <a:rPr lang="en-US" smtClean="0"/>
-              <a:t>1/2/2016</a:t>
+              <a:t>1/3/2016</a:t>
             </a:fld>
             <a:endParaRPr lang="en-US"/>
           </a:p>
@@ -2381,7 +2381,7 @@
           <a:p>
             <a:fld id="{07CEF1F6-5A86-4791-8874-D64862DF8FAA}" type="datetimeFigureOut">
               <a:rPr lang="en-US" smtClean="0"/>
-              <a:t>1/2/2016</a:t>
+              <a:t>1/3/2016</a:t>
             </a:fld>
             <a:endParaRPr lang="en-US"/>
           </a:p>
@@ -2594,7 +2594,7 @@
           <a:p>
             <a:fld id="{07CEF1F6-5A86-4791-8874-D64862DF8FAA}" type="datetimeFigureOut">
               <a:rPr lang="en-US" smtClean="0"/>
-              <a:t>1/2/2016</a:t>
+              <a:t>1/3/2016</a:t>
             </a:fld>
             <a:endParaRPr lang="en-US"/>
           </a:p>
@@ -18590,7 +18590,19 @@
             </a:r>
             <a:r>
               <a:rPr lang="it-IT" sz="2400" dirty="0"/>
-              <a:t> (i.e. </a:t>
+              <a:t> </a:t>
+            </a:r>
+            <a:r>
+              <a:rPr lang="it-IT" sz="2400" dirty="0" smtClean="0"/>
+              <a:t>(</a:t>
+            </a:r>
+            <a:r>
+              <a:rPr lang="it-IT" sz="2400" dirty="0" smtClean="0"/>
+              <a:t>e</a:t>
+            </a:r>
+            <a:r>
+              <a:rPr lang="it-IT" sz="2400" dirty="0" smtClean="0"/>
+              <a:t>.g. </a:t>
             </a:r>
             <a:r>
               <a:rPr lang="it-IT" sz="2400" dirty="0" err="1"/>
@@ -19604,7 +19616,7 @@
         </p:spPr>
         <p:txBody>
           <a:bodyPr>
-            <a:normAutofit lnSpcReduction="10000"/>
+            <a:normAutofit/>
           </a:bodyPr>
           <a:lstStyle/>
           <a:p>
@@ -21182,7 +21194,7 @@
   <a:extraClrSchemeLst/>
   <a:extLst>
     <a:ext uri="{05A4C25C-085E-4340-85A3-A5531E510DB2}">
-      <thm15:themeFamily xmlns:thm15="http://schemas.microsoft.com/office/thememl/2012/main" name="Office Theme" id="{62F939B6-93AF-4DB8-9C6B-D6C7DFDC589F}" vid="{4A3C46E8-61CC-4603-A589-7422A47A8E4A}"/>
+      <thm15:themeFamily xmlns:thm15="http://schemas.microsoft.com/office/thememl/2012/main" xmlns="" name="Office Theme" id="{62F939B6-93AF-4DB8-9C6B-D6C7DFDC589F}" vid="{4A3C46E8-61CC-4603-A589-7422A47A8E4A}"/>
     </a:ext>
   </a:extLst>
 </a:theme>

--- a/OtherStuff/Code Inspection Presentation.pptx
+++ b/OtherStuff/Code Inspection Presentation.pptx
@@ -273,7 +273,7 @@
           <a:p>
             <a:fld id="{07CEF1F6-5A86-4791-8874-D64862DF8FAA}" type="datetimeFigureOut">
               <a:rPr lang="en-US" smtClean="0"/>
-              <a:t>1/2/2016</a:t>
+              <a:t>1/5/2016</a:t>
             </a:fld>
             <a:endParaRPr lang="en-US"/>
           </a:p>
@@ -443,7 +443,7 @@
           <a:p>
             <a:fld id="{07CEF1F6-5A86-4791-8874-D64862DF8FAA}" type="datetimeFigureOut">
               <a:rPr lang="en-US" smtClean="0"/>
-              <a:t>1/2/2016</a:t>
+              <a:t>1/5/2016</a:t>
             </a:fld>
             <a:endParaRPr lang="en-US"/>
           </a:p>
@@ -623,7 +623,7 @@
           <a:p>
             <a:fld id="{07CEF1F6-5A86-4791-8874-D64862DF8FAA}" type="datetimeFigureOut">
               <a:rPr lang="en-US" smtClean="0"/>
-              <a:t>1/2/2016</a:t>
+              <a:t>1/5/2016</a:t>
             </a:fld>
             <a:endParaRPr lang="en-US"/>
           </a:p>
@@ -793,7 +793,7 @@
           <a:p>
             <a:fld id="{07CEF1F6-5A86-4791-8874-D64862DF8FAA}" type="datetimeFigureOut">
               <a:rPr lang="en-US" smtClean="0"/>
-              <a:t>1/2/2016</a:t>
+              <a:t>1/5/2016</a:t>
             </a:fld>
             <a:endParaRPr lang="en-US"/>
           </a:p>
@@ -1039,7 +1039,7 @@
           <a:p>
             <a:fld id="{07CEF1F6-5A86-4791-8874-D64862DF8FAA}" type="datetimeFigureOut">
               <a:rPr lang="en-US" smtClean="0"/>
-              <a:t>1/2/2016</a:t>
+              <a:t>1/5/2016</a:t>
             </a:fld>
             <a:endParaRPr lang="en-US"/>
           </a:p>
@@ -1271,7 +1271,7 @@
           <a:p>
             <a:fld id="{07CEF1F6-5A86-4791-8874-D64862DF8FAA}" type="datetimeFigureOut">
               <a:rPr lang="en-US" smtClean="0"/>
-              <a:t>1/2/2016</a:t>
+              <a:t>1/5/2016</a:t>
             </a:fld>
             <a:endParaRPr lang="en-US"/>
           </a:p>
@@ -1638,7 +1638,7 @@
           <a:p>
             <a:fld id="{07CEF1F6-5A86-4791-8874-D64862DF8FAA}" type="datetimeFigureOut">
               <a:rPr lang="en-US" smtClean="0"/>
-              <a:t>1/2/2016</a:t>
+              <a:t>1/5/2016</a:t>
             </a:fld>
             <a:endParaRPr lang="en-US"/>
           </a:p>
@@ -1756,7 +1756,7 @@
           <a:p>
             <a:fld id="{07CEF1F6-5A86-4791-8874-D64862DF8FAA}" type="datetimeFigureOut">
               <a:rPr lang="en-US" smtClean="0"/>
-              <a:t>1/2/2016</a:t>
+              <a:t>1/5/2016</a:t>
             </a:fld>
             <a:endParaRPr lang="en-US"/>
           </a:p>
@@ -1851,7 +1851,7 @@
           <a:p>
             <a:fld id="{07CEF1F6-5A86-4791-8874-D64862DF8FAA}" type="datetimeFigureOut">
               <a:rPr lang="en-US" smtClean="0"/>
-              <a:t>1/2/2016</a:t>
+              <a:t>1/5/2016</a:t>
             </a:fld>
             <a:endParaRPr lang="en-US"/>
           </a:p>
@@ -2128,7 +2128,7 @@
           <a:p>
             <a:fld id="{07CEF1F6-5A86-4791-8874-D64862DF8FAA}" type="datetimeFigureOut">
               <a:rPr lang="en-US" smtClean="0"/>
-              <a:t>1/2/2016</a:t>
+              <a:t>1/5/2016</a:t>
             </a:fld>
             <a:endParaRPr lang="en-US"/>
           </a:p>
@@ -2381,7 +2381,7 @@
           <a:p>
             <a:fld id="{07CEF1F6-5A86-4791-8874-D64862DF8FAA}" type="datetimeFigureOut">
               <a:rPr lang="en-US" smtClean="0"/>
-              <a:t>1/2/2016</a:t>
+              <a:t>1/5/2016</a:t>
             </a:fld>
             <a:endParaRPr lang="en-US"/>
           </a:p>
@@ -2594,7 +2594,7 @@
           <a:p>
             <a:fld id="{07CEF1F6-5A86-4791-8874-D64862DF8FAA}" type="datetimeFigureOut">
               <a:rPr lang="en-US" smtClean="0"/>
-              <a:t>1/2/2016</a:t>
+              <a:t>1/5/2016</a:t>
             </a:fld>
             <a:endParaRPr lang="en-US"/>
           </a:p>
@@ -20433,13 +20433,19 @@
               <a:t>in </a:t>
             </a:r>
             <a:r>
-              <a:rPr lang="it-IT" sz="2933" i="1" dirty="0" err="1">
-                <a:latin typeface="Cambria" panose="02040503050406030204" pitchFamily="18" charset="0"/>
-              </a:rPr>
-              <a:t>CallbackInterceptor</a:t>
-            </a:r>
-            <a:r>
-              <a:rPr lang="it-IT" sz="2933" i="1" dirty="0">
+              <a:rPr lang="it-IT" sz="2933" i="1" dirty="0" err="1" smtClean="0">
+                <a:latin typeface="Cambria" panose="02040503050406030204" pitchFamily="18" charset="0"/>
+              </a:rPr>
+              <a:t>Bean</a:t>
+            </a:r>
+            <a:r>
+              <a:rPr lang="it-IT" sz="2933" i="1" dirty="0" err="1" smtClean="0">
+                <a:latin typeface="Cambria" panose="02040503050406030204" pitchFamily="18" charset="0"/>
+              </a:rPr>
+              <a:t>AroundInvokeInterceptor</a:t>
+            </a:r>
+            <a:r>
+              <a:rPr lang="it-IT" sz="2933" i="1" dirty="0" smtClean="0">
                 <a:latin typeface="Cambria" panose="02040503050406030204" pitchFamily="18" charset="0"/>
               </a:rPr>
               <a:t> </a:t>
